--- a/PPT总结/无线网络智能化AI用例-无线故障检测-汇报PPT.pptx
+++ b/PPT总结/无线网络智能化AI用例-无线故障检测-汇报PPT.pptx
@@ -282,7 +282,7 @@
           <a:p>
             <a:fld id="{0F9B84EA-7D68-4D60-9CB1-D50884785D1C}" type="datetimeFigureOut">
               <a:rPr lang="zh-CN" altLang="en-US" smtClean="0"/>
-              <a:t>2024/9/8</a:t>
+              <a:t>2024/9/10</a:t>
             </a:fld>
             <a:endParaRPr lang="zh-CN" altLang="en-US"/>
           </a:p>
@@ -447,7 +447,7 @@
           <a:p>
             <a:fld id="{DE1650AB-D863-4A62-9B91-FBC9632FCFFA}" type="datetimeFigureOut">
               <a:rPr lang="zh-CN" altLang="en-US" smtClean="0"/>
-              <a:t>2024/9/8</a:t>
+              <a:t>2024/9/10</a:t>
             </a:fld>
             <a:endParaRPr lang="zh-CN" altLang="en-US"/>
           </a:p>
@@ -1541,7 +1541,7 @@
           <a:p>
             <a:fld id="{0149D285-AF0E-4CCF-BA58-EC8F82E1B95B}" type="datetimeFigureOut">
               <a:rPr lang="zh-CN" altLang="en-US" smtClean="0"/>
-              <a:t>2024/9/8</a:t>
+              <a:t>2024/9/10</a:t>
             </a:fld>
             <a:endParaRPr lang="zh-CN" altLang="en-US"/>
           </a:p>
@@ -1704,7 +1704,7 @@
           <a:p>
             <a:fld id="{0149D285-AF0E-4CCF-BA58-EC8F82E1B95B}" type="datetimeFigureOut">
               <a:rPr lang="zh-CN" altLang="en-US" smtClean="0"/>
-              <a:t>2024/9/8</a:t>
+              <a:t>2024/9/10</a:t>
             </a:fld>
             <a:endParaRPr lang="zh-CN" altLang="en-US"/>
           </a:p>
@@ -1877,7 +1877,7 @@
           <a:p>
             <a:fld id="{0149D285-AF0E-4CCF-BA58-EC8F82E1B95B}" type="datetimeFigureOut">
               <a:rPr lang="zh-CN" altLang="en-US" smtClean="0"/>
-              <a:t>2024/9/8</a:t>
+              <a:t>2024/9/10</a:t>
             </a:fld>
             <a:endParaRPr lang="zh-CN" altLang="en-US"/>
           </a:p>
@@ -2941,7 +2941,7 @@
           <a:p>
             <a:fld id="{234AC5B4-1350-44E5-AB9E-3073A0AF52B5}" type="datetime1">
               <a:rPr lang="zh-CN" altLang="en-US" smtClean="0"/>
-              <a:t>2024/9/8</a:t>
+              <a:t>2024/9/10</a:t>
             </a:fld>
             <a:endParaRPr lang="en-US" dirty="0"/>
           </a:p>
@@ -3541,7 +3541,7 @@
           <a:p>
             <a:fld id="{0149D285-AF0E-4CCF-BA58-EC8F82E1B95B}" type="datetimeFigureOut">
               <a:rPr lang="zh-CN" altLang="en-US" smtClean="0"/>
-              <a:t>2024/9/8</a:t>
+              <a:t>2024/9/10</a:t>
             </a:fld>
             <a:endParaRPr lang="zh-CN" altLang="en-US"/>
           </a:p>
@@ -3781,7 +3781,7 @@
           <a:p>
             <a:fld id="{0149D285-AF0E-4CCF-BA58-EC8F82E1B95B}" type="datetimeFigureOut">
               <a:rPr lang="zh-CN" altLang="en-US" smtClean="0"/>
-              <a:t>2024/9/8</a:t>
+              <a:t>2024/9/10</a:t>
             </a:fld>
             <a:endParaRPr lang="zh-CN" altLang="en-US"/>
           </a:p>
@@ -4005,7 +4005,7 @@
           <a:p>
             <a:fld id="{0149D285-AF0E-4CCF-BA58-EC8F82E1B95B}" type="datetimeFigureOut">
               <a:rPr lang="zh-CN" altLang="en-US" smtClean="0"/>
-              <a:t>2024/9/8</a:t>
+              <a:t>2024/9/10</a:t>
             </a:fld>
             <a:endParaRPr lang="zh-CN" altLang="en-US"/>
           </a:p>
@@ -4364,7 +4364,7 @@
           <a:p>
             <a:fld id="{0149D285-AF0E-4CCF-BA58-EC8F82E1B95B}" type="datetimeFigureOut">
               <a:rPr lang="zh-CN" altLang="en-US" smtClean="0"/>
-              <a:t>2024/9/8</a:t>
+              <a:t>2024/9/10</a:t>
             </a:fld>
             <a:endParaRPr lang="zh-CN" altLang="en-US"/>
           </a:p>
@@ -4476,7 +4476,7 @@
           <a:p>
             <a:fld id="{0149D285-AF0E-4CCF-BA58-EC8F82E1B95B}" type="datetimeFigureOut">
               <a:rPr lang="zh-CN" altLang="en-US" smtClean="0"/>
-              <a:t>2024/9/8</a:t>
+              <a:t>2024/9/10</a:t>
             </a:fld>
             <a:endParaRPr lang="zh-CN" altLang="en-US"/>
           </a:p>
@@ -4566,7 +4566,7 @@
           <a:p>
             <a:fld id="{0149D285-AF0E-4CCF-BA58-EC8F82E1B95B}" type="datetimeFigureOut">
               <a:rPr lang="zh-CN" altLang="en-US" smtClean="0"/>
-              <a:t>2024/9/8</a:t>
+              <a:t>2024/9/10</a:t>
             </a:fld>
             <a:endParaRPr lang="zh-CN" altLang="en-US"/>
           </a:p>
@@ -4836,7 +4836,7 @@
           <a:p>
             <a:fld id="{0149D285-AF0E-4CCF-BA58-EC8F82E1B95B}" type="datetimeFigureOut">
               <a:rPr lang="zh-CN" altLang="en-US" smtClean="0"/>
-              <a:t>2024/9/8</a:t>
+              <a:t>2024/9/10</a:t>
             </a:fld>
             <a:endParaRPr lang="zh-CN" altLang="en-US"/>
           </a:p>
@@ -5083,7 +5083,7 @@
           <a:p>
             <a:fld id="{0149D285-AF0E-4CCF-BA58-EC8F82E1B95B}" type="datetimeFigureOut">
               <a:rPr lang="zh-CN" altLang="en-US" smtClean="0"/>
-              <a:t>2024/9/8</a:t>
+              <a:t>2024/9/10</a:t>
             </a:fld>
             <a:endParaRPr lang="zh-CN" altLang="en-US"/>
           </a:p>
@@ -5289,7 +5289,7 @@
           <a:p>
             <a:fld id="{0149D285-AF0E-4CCF-BA58-EC8F82E1B95B}" type="datetimeFigureOut">
               <a:rPr lang="zh-CN" altLang="en-US" smtClean="0"/>
-              <a:t>2024/9/8</a:t>
+              <a:t>2024/9/10</a:t>
             </a:fld>
             <a:endParaRPr lang="zh-CN" altLang="en-US"/>
           </a:p>
